--- a/tehtavat/tiedostot/maol/power_point/Racket-MAOL-5-6-kuvien yhdistely.pptx
+++ b/tehtavat/tiedostot/maol/power_point/Racket-MAOL-5-6-kuvien yhdistely.pptx
@@ -6,7 +6,7 @@
     <p:sldMasterId id="2147483703" r:id="rId2"/>
   </p:sldMasterIdLst>
   <p:notesMasterIdLst>
-    <p:notesMasterId r:id="rId9"/>
+    <p:notesMasterId r:id="rId11"/>
   </p:notesMasterIdLst>
   <p:sldIdLst>
     <p:sldId id="374" r:id="rId3"/>
@@ -15,11 +15,13 @@
     <p:sldId id="371" r:id="rId6"/>
     <p:sldId id="372" r:id="rId7"/>
     <p:sldId id="373" r:id="rId8"/>
+    <p:sldId id="375" r:id="rId9"/>
+    <p:sldId id="376" r:id="rId10"/>
   </p:sldIdLst>
   <p:sldSz cx="9144000" cy="6858000" type="screen4x3"/>
   <p:notesSz cx="6858000" cy="9144000"/>
   <p:custDataLst>
-    <p:tags r:id="rId10"/>
+    <p:tags r:id="rId12"/>
   </p:custDataLst>
   <p:defaultTextStyle>
     <a:defPPr>
@@ -177,6 +179,10 @@
     </p:ext>
   </p:extLst>
 </p:presentation>
+</file>
+
+<file path=ppt/revisionInfo.xml><?xml version="1.0" encoding="utf-8"?>
+<p1510:revInfo xmlns:a="http://schemas.openxmlformats.org/drawingml/2006/main" xmlns:r="http://schemas.openxmlformats.org/officeDocument/2006/relationships" xmlns:p1510="http://schemas.microsoft.com/office/powerpoint/2015/10/main"/>
 </file>
 
 <file path=ppt/notesMasters/notesMaster1.xml><?xml version="1.0" encoding="utf-8"?>
@@ -11950,6 +11956,1315 @@
     <p:extLst>
       <p:ext uri="{BB962C8B-B14F-4D97-AF65-F5344CB8AC3E}">
         <p14:creationId xmlns:p14="http://schemas.microsoft.com/office/powerpoint/2010/main" val="3834393721"/>
+      </p:ext>
+    </p:extLst>
+  </p:cSld>
+  <p:clrMapOvr>
+    <a:masterClrMapping/>
+  </p:clrMapOvr>
+</p:sld>
+</file>
+
+<file path=ppt/slides/slide7.xml><?xml version="1.0" encoding="utf-8"?>
+<p:sld xmlns:a="http://schemas.openxmlformats.org/drawingml/2006/main" xmlns:r="http://schemas.openxmlformats.org/officeDocument/2006/relationships" xmlns:p="http://schemas.openxmlformats.org/presentationml/2006/main">
+  <p:cSld>
+    <p:spTree>
+      <p:nvGrpSpPr>
+        <p:cNvPr id="1" name=""/>
+        <p:cNvGrpSpPr/>
+        <p:nvPr/>
+      </p:nvGrpSpPr>
+      <p:grpSpPr>
+        <a:xfrm>
+          <a:off x="0" y="0"/>
+          <a:ext cx="0" cy="0"/>
+          <a:chOff x="0" y="0"/>
+          <a:chExt cx="0" cy="0"/>
+        </a:xfrm>
+      </p:grpSpPr>
+      <p:pic>
+        <p:nvPicPr>
+          <p:cNvPr id="10" name="Picture 8" descr="https://avatars0.githubusercontent.com/u/232371?v=3&amp;s=400"/>
+          <p:cNvPicPr>
+            <a:picLocks noChangeAspect="1" noChangeArrowheads="1"/>
+          </p:cNvPicPr>
+          <p:nvPr/>
+        </p:nvPicPr>
+        <p:blipFill>
+          <a:blip r:embed="rId2" cstate="print">
+            <a:extLst>
+              <a:ext uri="{28A0092B-C50C-407E-A947-70E740481C1C}">
+                <a14:useLocalDpi xmlns:a14="http://schemas.microsoft.com/office/drawing/2010/main" val="0"/>
+              </a:ext>
+            </a:extLst>
+          </a:blip>
+          <a:srcRect/>
+          <a:stretch>
+            <a:fillRect/>
+          </a:stretch>
+        </p:blipFill>
+        <p:spPr bwMode="auto">
+          <a:xfrm>
+            <a:off x="179512" y="5229200"/>
+            <a:ext cx="1254667" cy="1254668"/>
+          </a:xfrm>
+          <a:prstGeom prst="rect">
+            <a:avLst/>
+          </a:prstGeom>
+          <a:noFill/>
+          <a:ln>
+            <a:noFill/>
+          </a:ln>
+          <a:extLst>
+            <a:ext uri="{909E8E84-426E-40DD-AFC4-6F175D3DCCD1}">
+              <a14:hiddenFill xmlns:a14="http://schemas.microsoft.com/office/drawing/2010/main">
+                <a:solidFill>
+                  <a:srgbClr val="FFFFFF"/>
+                </a:solidFill>
+              </a14:hiddenFill>
+            </a:ext>
+            <a:ext uri="{91240B29-F687-4F45-9708-019B960494DF}">
+              <a14:hiddenLine xmlns:a14="http://schemas.microsoft.com/office/drawing/2010/main" w="9525">
+                <a:solidFill>
+                  <a:srgbClr val="000000"/>
+                </a:solidFill>
+                <a:miter lim="800000"/>
+                <a:headEnd/>
+                <a:tailEnd/>
+              </a14:hiddenLine>
+            </a:ext>
+          </a:extLst>
+        </p:spPr>
+      </p:pic>
+      <p:sp>
+        <p:nvSpPr>
+          <p:cNvPr id="13" name="Suorakulmio 12"/>
+          <p:cNvSpPr/>
+          <p:nvPr/>
+        </p:nvSpPr>
+        <p:spPr bwMode="auto">
+          <a:xfrm>
+            <a:off x="5311958" y="240174"/>
+            <a:ext cx="3570371" cy="531170"/>
+          </a:xfrm>
+          <a:prstGeom prst="rect">
+            <a:avLst/>
+          </a:prstGeom>
+          <a:ln>
+            <a:headEnd type="none" w="med" len="med"/>
+            <a:tailEnd type="none" w="med" len="med"/>
+          </a:ln>
+          <a:scene3d>
+            <a:camera prst="orthographicFront"/>
+            <a:lightRig rig="threePt" dir="t"/>
+          </a:scene3d>
+          <a:sp3d>
+            <a:bevelT w="114300" prst="artDeco"/>
+          </a:sp3d>
+        </p:spPr>
+        <p:style>
+          <a:lnRef idx="2">
+            <a:schemeClr val="accent4"/>
+          </a:lnRef>
+          <a:fillRef idx="1">
+            <a:schemeClr val="lt1"/>
+          </a:fillRef>
+          <a:effectRef idx="0">
+            <a:schemeClr val="accent4"/>
+          </a:effectRef>
+          <a:fontRef idx="minor">
+            <a:schemeClr val="dk1"/>
+          </a:fontRef>
+        </p:style>
+        <p:txBody>
+          <a:bodyPr vert="horz" wrap="square" lIns="91440" tIns="45720" rIns="91440" bIns="45720" numCol="1" rtlCol="0" anchor="t" anchorCtr="0" compatLnSpc="1">
+            <a:prstTxWarp prst="textNoShape">
+              <a:avLst/>
+            </a:prstTxWarp>
+          </a:bodyPr>
+          <a:lstStyle/>
+          <a:p>
+            <a:pPr marL="0" marR="0" indent="0" algn="ctr" defTabSz="449263" rtl="0" eaLnBrk="1" fontAlgn="base" latinLnBrk="0" hangingPunct="1">
+              <a:lnSpc>
+                <a:spcPct val="100000"/>
+              </a:lnSpc>
+              <a:spcBef>
+                <a:spcPct val="0"/>
+              </a:spcBef>
+              <a:spcAft>
+                <a:spcPct val="0"/>
+              </a:spcAft>
+              <a:buClr>
+                <a:srgbClr val="000000"/>
+              </a:buClr>
+              <a:buSzPct val="100000"/>
+              <a:buFont typeface="Times New Roman" pitchFamily="16" charset="0"/>
+              <a:buNone/>
+              <a:tabLst/>
+            </a:pPr>
+            <a:r>
+              <a:rPr kumimoji="0" lang="fi-FI" sz="2400" b="0" i="0" u="none" strike="noStrike" cap="none" normalizeH="0" dirty="0">
+                <a:ln>
+                  <a:noFill/>
+                </a:ln>
+                <a:solidFill>
+                  <a:schemeClr val="tx2">
+                    <a:lumMod val="75000"/>
+                    <a:lumOff val="25000"/>
+                  </a:schemeClr>
+                </a:solidFill>
+                <a:effectLst/>
+                <a:latin typeface="Arial" charset="0"/>
+              </a:rPr>
+              <a:t>MÄÄRITTELYIKKUNA</a:t>
+            </a:r>
+            <a:endParaRPr kumimoji="0" lang="fi-FI" sz="1800" b="0" i="0" u="none" strike="noStrike" cap="none" normalizeH="0" dirty="0">
+              <a:ln>
+                <a:noFill/>
+              </a:ln>
+              <a:solidFill>
+                <a:schemeClr val="tx2">
+                  <a:lumMod val="75000"/>
+                  <a:lumOff val="25000"/>
+                </a:schemeClr>
+              </a:solidFill>
+              <a:effectLst/>
+              <a:latin typeface="Arial" charset="0"/>
+            </a:endParaRPr>
+          </a:p>
+          <a:p>
+            <a:pPr marL="0" marR="0" indent="0" algn="l" defTabSz="449263" rtl="0" eaLnBrk="1" fontAlgn="base" latinLnBrk="0" hangingPunct="1">
+              <a:lnSpc>
+                <a:spcPct val="100000"/>
+              </a:lnSpc>
+              <a:spcBef>
+                <a:spcPct val="0"/>
+              </a:spcBef>
+              <a:spcAft>
+                <a:spcPct val="0"/>
+              </a:spcAft>
+              <a:buClr>
+                <a:srgbClr val="000000"/>
+              </a:buClr>
+              <a:buSzPct val="100000"/>
+              <a:buFont typeface="Times New Roman" pitchFamily="16" charset="0"/>
+              <a:buNone/>
+              <a:tabLst/>
+            </a:pPr>
+            <a:endParaRPr kumimoji="0" lang="fi-FI" sz="1800" b="0" i="0" u="none" strike="noStrike" cap="none" normalizeH="0" dirty="0">
+              <a:ln>
+                <a:noFill/>
+              </a:ln>
+              <a:solidFill>
+                <a:schemeClr val="tx2">
+                  <a:lumMod val="75000"/>
+                  <a:lumOff val="25000"/>
+                </a:schemeClr>
+              </a:solidFill>
+              <a:effectLst/>
+              <a:latin typeface="Arial" charset="0"/>
+            </a:endParaRPr>
+          </a:p>
+        </p:txBody>
+      </p:sp>
+      <p:sp>
+        <p:nvSpPr>
+          <p:cNvPr id="43" name="Suorakulmio 42"/>
+          <p:cNvSpPr/>
+          <p:nvPr/>
+        </p:nvSpPr>
+        <p:spPr>
+          <a:xfrm>
+            <a:off x="2736" y="1530389"/>
+            <a:ext cx="1074012" cy="338554"/>
+          </a:xfrm>
+          <a:prstGeom prst="rect">
+            <a:avLst/>
+          </a:prstGeom>
+          <a:solidFill>
+            <a:schemeClr val="accent2">
+              <a:lumMod val="75000"/>
+            </a:schemeClr>
+          </a:solidFill>
+        </p:spPr>
+        <p:txBody>
+          <a:bodyPr wrap="none">
+            <a:spAutoFit/>
+          </a:bodyPr>
+          <a:lstStyle/>
+          <a:p>
+            <a:r>
+              <a:rPr kumimoji="0" lang="fi-FI" sz="1600" b="0" i="0" u="none" strike="noStrike" cap="none" normalizeH="0" dirty="0">
+                <a:ln>
+                  <a:noFill/>
+                </a:ln>
+                <a:effectLst/>
+                <a:latin typeface="Arial" charset="0"/>
+              </a:rPr>
+              <a:t>Tehtävä </a:t>
+            </a:r>
+            <a:r>
+              <a:rPr lang="fi-FI" sz="1600" dirty="0">
+                <a:latin typeface="Arial" charset="0"/>
+              </a:rPr>
+              <a:t>5</a:t>
+            </a:r>
+            <a:endParaRPr lang="fi-FI" sz="1600" dirty="0"/>
+          </a:p>
+        </p:txBody>
+      </p:sp>
+      <p:pic>
+        <p:nvPicPr>
+          <p:cNvPr id="42" name="Kuva 41"/>
+          <p:cNvPicPr>
+            <a:picLocks noChangeAspect="1"/>
+          </p:cNvPicPr>
+          <p:nvPr/>
+        </p:nvPicPr>
+        <p:blipFill>
+          <a:blip r:embed="rId3">
+            <a:extLst>
+              <a:ext uri="{28A0092B-C50C-407E-A947-70E740481C1C}">
+                <a14:useLocalDpi xmlns:a14="http://schemas.microsoft.com/office/drawing/2010/main" val="0"/>
+              </a:ext>
+            </a:extLst>
+          </a:blip>
+          <a:stretch>
+            <a:fillRect/>
+          </a:stretch>
+        </p:blipFill>
+        <p:spPr>
+          <a:xfrm>
+            <a:off x="8068724" y="1211985"/>
+            <a:ext cx="1075276" cy="516133"/>
+          </a:xfrm>
+          <a:prstGeom prst="rect">
+            <a:avLst/>
+          </a:prstGeom>
+        </p:spPr>
+      </p:pic>
+      <p:sp>
+        <p:nvSpPr>
+          <p:cNvPr id="3" name="Alatunnisteen paikkamerkki 2"/>
+          <p:cNvSpPr>
+            <a:spLocks noGrp="1"/>
+          </p:cNvSpPr>
+          <p:nvPr>
+            <p:ph type="ftr" sz="quarter" idx="11"/>
+          </p:nvPr>
+        </p:nvSpPr>
+        <p:spPr/>
+        <p:txBody>
+          <a:bodyPr/>
+          <a:lstStyle/>
+          <a:p>
+            <a:pPr algn="r">
+              <a:defRPr/>
+            </a:pPr>
+            <a:r>
+              <a:rPr lang="fi-FI" dirty="0"/>
+              <a:t>MAOL Ohjelmointia matematiikkaan</a:t>
+            </a:r>
+            <a:endParaRPr lang="ru-RU" dirty="0"/>
+          </a:p>
+        </p:txBody>
+      </p:sp>
+      <p:sp>
+        <p:nvSpPr>
+          <p:cNvPr id="60" name="Suorakulmio 34"/>
+          <p:cNvSpPr/>
+          <p:nvPr/>
+        </p:nvSpPr>
+        <p:spPr>
+          <a:xfrm>
+            <a:off x="1234659" y="1477847"/>
+            <a:ext cx="3265333" cy="2123658"/>
+          </a:xfrm>
+          <a:prstGeom prst="rect">
+            <a:avLst/>
+          </a:prstGeom>
+        </p:spPr>
+        <p:txBody>
+          <a:bodyPr wrap="square">
+            <a:spAutoFit/>
+          </a:bodyPr>
+          <a:lstStyle/>
+          <a:p>
+            <a:r>
+              <a:rPr lang="fi-FI" sz="2200" dirty="0">
+                <a:solidFill>
+                  <a:schemeClr val="tx1"/>
+                </a:solidFill>
+                <a:latin typeface="Arial" charset="0"/>
+              </a:rPr>
+              <a:t>Hassut otukset 1</a:t>
+            </a:r>
+          </a:p>
+          <a:p>
+            <a:endParaRPr lang="fi-FI" sz="2200" dirty="0">
+              <a:solidFill>
+                <a:schemeClr val="tx1"/>
+              </a:solidFill>
+              <a:latin typeface="Arial" charset="0"/>
+            </a:endParaRPr>
+          </a:p>
+          <a:p>
+            <a:r>
+              <a:rPr lang="fi-FI" sz="2200" dirty="0">
+                <a:solidFill>
+                  <a:schemeClr val="tx1"/>
+                </a:solidFill>
+                <a:latin typeface="Arial" charset="0"/>
+              </a:rPr>
+              <a:t>Mitä jos eläimet voisivat vaihtaa osia keskenään?</a:t>
+            </a:r>
+          </a:p>
+          <a:p>
+            <a:endParaRPr lang="fi-FI" sz="2200" dirty="0">
+              <a:solidFill>
+                <a:schemeClr val="tx1"/>
+              </a:solidFill>
+              <a:latin typeface="Arial" charset="0"/>
+            </a:endParaRPr>
+          </a:p>
+          <a:p>
+            <a:endParaRPr lang="fi-FI" sz="2200" dirty="0">
+              <a:solidFill>
+                <a:schemeClr val="tx1"/>
+              </a:solidFill>
+              <a:latin typeface="Arial" charset="0"/>
+            </a:endParaRPr>
+          </a:p>
+        </p:txBody>
+      </p:sp>
+      <p:pic>
+        <p:nvPicPr>
+          <p:cNvPr id="61" name="Picture 2" descr="WeScheme Logo"/>
+          <p:cNvPicPr>
+            <a:picLocks noChangeAspect="1" noChangeArrowheads="1"/>
+          </p:cNvPicPr>
+          <p:nvPr/>
+        </p:nvPicPr>
+        <p:blipFill>
+          <a:blip r:embed="rId4" cstate="print">
+            <a:extLst>
+              <a:ext uri="{28A0092B-C50C-407E-A947-70E740481C1C}">
+                <a14:useLocalDpi xmlns:a14="http://schemas.microsoft.com/office/drawing/2010/main" val="0"/>
+              </a:ext>
+            </a:extLst>
+          </a:blip>
+          <a:srcRect/>
+          <a:stretch>
+            <a:fillRect/>
+          </a:stretch>
+        </p:blipFill>
+        <p:spPr bwMode="auto">
+          <a:xfrm>
+            <a:off x="7163754" y="5133041"/>
+            <a:ext cx="1495802" cy="1383832"/>
+          </a:xfrm>
+          <a:prstGeom prst="rect">
+            <a:avLst/>
+          </a:prstGeom>
+          <a:noFill/>
+          <a:ln>
+            <a:noFill/>
+          </a:ln>
+          <a:effectLst>
+            <a:outerShdw blurRad="50800" dist="38100" dir="5400000" algn="t" rotWithShape="0">
+              <a:prstClr val="black">
+                <a:alpha val="40000"/>
+              </a:prstClr>
+            </a:outerShdw>
+          </a:effectLst>
+          <a:extLst>
+            <a:ext uri="{909E8E84-426E-40DD-AFC4-6F175D3DCCD1}">
+              <a14:hiddenFill xmlns:a14="http://schemas.microsoft.com/office/drawing/2010/main">
+                <a:solidFill>
+                  <a:srgbClr val="FFFFFF"/>
+                </a:solidFill>
+              </a14:hiddenFill>
+            </a:ext>
+            <a:ext uri="{91240B29-F687-4F45-9708-019B960494DF}">
+              <a14:hiddenLine xmlns:a14="http://schemas.microsoft.com/office/drawing/2010/main" w="9525">
+                <a:solidFill>
+                  <a:srgbClr val="000000"/>
+                </a:solidFill>
+                <a:miter lim="800000"/>
+                <a:headEnd/>
+                <a:tailEnd/>
+              </a14:hiddenLine>
+            </a:ext>
+          </a:extLst>
+        </p:spPr>
+      </p:pic>
+      <p:pic>
+        <p:nvPicPr>
+          <p:cNvPr id="4" name="Kuva 3">
+            <a:extLst>
+              <a:ext uri="{FF2B5EF4-FFF2-40B4-BE49-F238E27FC236}">
+                <a16:creationId xmlns:a16="http://schemas.microsoft.com/office/drawing/2014/main" id="{B3C4FA13-5519-4634-973A-4CF56C4E03F1}"/>
+              </a:ext>
+            </a:extLst>
+          </p:cNvPr>
+          <p:cNvPicPr>
+            <a:picLocks noChangeAspect="1"/>
+          </p:cNvPicPr>
+          <p:nvPr/>
+        </p:nvPicPr>
+        <p:blipFill rotWithShape="1">
+          <a:blip r:embed="rId5">
+            <a:extLst>
+              <a:ext uri="{28A0092B-C50C-407E-A947-70E740481C1C}">
+                <a14:useLocalDpi xmlns:a14="http://schemas.microsoft.com/office/drawing/2010/main" val="0"/>
+              </a:ext>
+            </a:extLst>
+          </a:blip>
+          <a:srcRect l="1848" t="6549" r="16817" b="2342"/>
+          <a:stretch/>
+        </p:blipFill>
+        <p:spPr>
+          <a:xfrm>
+            <a:off x="4490542" y="1340768"/>
+            <a:ext cx="3249810" cy="2260738"/>
+          </a:xfrm>
+          <a:prstGeom prst="rect">
+            <a:avLst/>
+          </a:prstGeom>
+        </p:spPr>
+      </p:pic>
+      <p:sp>
+        <p:nvSpPr>
+          <p:cNvPr id="15" name="Suorakulmio 34">
+            <a:extLst>
+              <a:ext uri="{FF2B5EF4-FFF2-40B4-BE49-F238E27FC236}">
+                <a16:creationId xmlns:a16="http://schemas.microsoft.com/office/drawing/2014/main" id="{79661CD8-9325-4442-ACF5-6FE1670B73B8}"/>
+              </a:ext>
+            </a:extLst>
+          </p:cNvPr>
+          <p:cNvSpPr/>
+          <p:nvPr/>
+        </p:nvSpPr>
+        <p:spPr>
+          <a:xfrm>
+            <a:off x="1234659" y="3286579"/>
+            <a:ext cx="7019599" cy="2462213"/>
+          </a:xfrm>
+          <a:prstGeom prst="rect">
+            <a:avLst/>
+          </a:prstGeom>
+        </p:spPr>
+        <p:txBody>
+          <a:bodyPr wrap="square">
+            <a:spAutoFit/>
+          </a:bodyPr>
+          <a:lstStyle/>
+          <a:p>
+            <a:endParaRPr lang="fi-FI" sz="2200" dirty="0">
+              <a:solidFill>
+                <a:schemeClr val="tx1"/>
+              </a:solidFill>
+              <a:latin typeface="Arial" charset="0"/>
+            </a:endParaRPr>
+          </a:p>
+          <a:p>
+            <a:r>
+              <a:rPr lang="fi-FI" sz="2200" dirty="0">
+                <a:solidFill>
+                  <a:schemeClr val="tx1"/>
+                </a:solidFill>
+                <a:latin typeface="Arial" charset="0"/>
+              </a:rPr>
+              <a:t>Montako erilaista eläintä voit koota, kun sinulla on kolmeen osaan jaetut valas, kameli ja </a:t>
+            </a:r>
+            <a:r>
+              <a:rPr lang="fi-FI" sz="2200" dirty="0" err="1">
+                <a:solidFill>
+                  <a:schemeClr val="tx1"/>
+                </a:solidFill>
+                <a:latin typeface="Arial" charset="0"/>
+              </a:rPr>
+              <a:t>dino</a:t>
+            </a:r>
+            <a:r>
+              <a:rPr lang="fi-FI" sz="2200" dirty="0">
+                <a:solidFill>
+                  <a:schemeClr val="tx1"/>
+                </a:solidFill>
+                <a:latin typeface="Arial" charset="0"/>
+              </a:rPr>
+              <a:t>? </a:t>
+            </a:r>
+          </a:p>
+          <a:p>
+            <a:r>
+              <a:rPr lang="fi-FI" sz="2200" dirty="0">
+                <a:solidFill>
+                  <a:schemeClr val="tx1"/>
+                </a:solidFill>
+                <a:latin typeface="Arial" charset="0"/>
+              </a:rPr>
+              <a:t>Koodaa kaikki vaihtoehdot. Tiedostosta löytyvät valmiit eläinpalat (kameli: K1, K2, K3, </a:t>
+            </a:r>
+            <a:r>
+              <a:rPr lang="fi-FI" sz="2200" dirty="0" err="1">
+                <a:solidFill>
+                  <a:schemeClr val="tx1"/>
+                </a:solidFill>
+                <a:latin typeface="Arial" charset="0"/>
+              </a:rPr>
+              <a:t>dino</a:t>
+            </a:r>
+            <a:r>
+              <a:rPr lang="fi-FI" sz="2200" dirty="0">
+                <a:solidFill>
+                  <a:schemeClr val="tx1"/>
+                </a:solidFill>
+                <a:latin typeface="Arial" charset="0"/>
+              </a:rPr>
+              <a:t>: D1, D2, D3 ja valas: V1, V2, V3)</a:t>
+            </a:r>
+          </a:p>
+          <a:p>
+            <a:endParaRPr lang="fi-FI" sz="2200" dirty="0">
+              <a:solidFill>
+                <a:schemeClr val="tx1"/>
+              </a:solidFill>
+              <a:latin typeface="Arial" charset="0"/>
+            </a:endParaRPr>
+          </a:p>
+        </p:txBody>
+      </p:sp>
+      <p:sp>
+        <p:nvSpPr>
+          <p:cNvPr id="5" name="Suorakulmio 4">
+            <a:extLst>
+              <a:ext uri="{FF2B5EF4-FFF2-40B4-BE49-F238E27FC236}">
+                <a16:creationId xmlns:a16="http://schemas.microsoft.com/office/drawing/2014/main" id="{FA4BF98C-6F83-4649-80E4-CB8E3DCDF4F9}"/>
+              </a:ext>
+            </a:extLst>
+          </p:cNvPr>
+          <p:cNvSpPr/>
+          <p:nvPr/>
+        </p:nvSpPr>
+        <p:spPr>
+          <a:xfrm>
+            <a:off x="2051720" y="715247"/>
+            <a:ext cx="7321299" cy="523220"/>
+          </a:xfrm>
+          <a:prstGeom prst="rect">
+            <a:avLst/>
+          </a:prstGeom>
+        </p:spPr>
+        <p:txBody>
+          <a:bodyPr wrap="square">
+            <a:spAutoFit/>
+          </a:bodyPr>
+          <a:lstStyle/>
+          <a:p>
+            <a:r>
+              <a:rPr lang="fi-FI" sz="2800" dirty="0">
+                <a:solidFill>
+                  <a:schemeClr val="tx1"/>
+                </a:solidFill>
+                <a:latin typeface="Arial" charset="0"/>
+              </a:rPr>
+              <a:t> </a:t>
+            </a:r>
+            <a:r>
+              <a:rPr lang="fi-FI" sz="2800">
+                <a:solidFill>
+                  <a:schemeClr val="tx1"/>
+                </a:solidFill>
+                <a:latin typeface="Arial" charset="0"/>
+              </a:rPr>
+              <a:t>               </a:t>
+            </a:r>
+            <a:r>
+              <a:rPr lang="fi-FI" i="1" dirty="0">
+                <a:solidFill>
+                  <a:schemeClr val="tx1"/>
+                </a:solidFill>
+                <a:latin typeface="Arial" charset="0"/>
+              </a:rPr>
+              <a:t>(vinkki: </a:t>
+            </a:r>
+            <a:r>
+              <a:rPr lang="fi-FI" i="1" dirty="0" err="1">
+                <a:solidFill>
+                  <a:schemeClr val="tx1"/>
+                </a:solidFill>
+                <a:latin typeface="Arial" charset="0"/>
+              </a:rPr>
+              <a:t>beside</a:t>
+            </a:r>
+            <a:r>
+              <a:rPr lang="fi-FI" i="1" dirty="0">
+                <a:solidFill>
+                  <a:schemeClr val="tx1"/>
+                </a:solidFill>
+                <a:latin typeface="Arial" charset="0"/>
+              </a:rPr>
+              <a:t>, K1, K2, K3, D1, D2, D3, V1, V2, V3)</a:t>
+            </a:r>
+            <a:endParaRPr lang="fi-FI" dirty="0"/>
+          </a:p>
+        </p:txBody>
+      </p:sp>
+    </p:spTree>
+    <p:extLst>
+      <p:ext uri="{BB962C8B-B14F-4D97-AF65-F5344CB8AC3E}">
+        <p14:creationId xmlns:p14="http://schemas.microsoft.com/office/powerpoint/2010/main" val="723766757"/>
+      </p:ext>
+    </p:extLst>
+  </p:cSld>
+  <p:clrMapOvr>
+    <a:masterClrMapping/>
+  </p:clrMapOvr>
+</p:sld>
+</file>
+
+<file path=ppt/slides/slide8.xml><?xml version="1.0" encoding="utf-8"?>
+<p:sld xmlns:a="http://schemas.openxmlformats.org/drawingml/2006/main" xmlns:r="http://schemas.openxmlformats.org/officeDocument/2006/relationships" xmlns:p="http://schemas.openxmlformats.org/presentationml/2006/main">
+  <p:cSld>
+    <p:spTree>
+      <p:nvGrpSpPr>
+        <p:cNvPr id="1" name=""/>
+        <p:cNvGrpSpPr/>
+        <p:nvPr/>
+      </p:nvGrpSpPr>
+      <p:grpSpPr>
+        <a:xfrm>
+          <a:off x="0" y="0"/>
+          <a:ext cx="0" cy="0"/>
+          <a:chOff x="0" y="0"/>
+          <a:chExt cx="0" cy="0"/>
+        </a:xfrm>
+      </p:grpSpPr>
+      <p:pic>
+        <p:nvPicPr>
+          <p:cNvPr id="10" name="Picture 8" descr="https://avatars0.githubusercontent.com/u/232371?v=3&amp;s=400"/>
+          <p:cNvPicPr>
+            <a:picLocks noChangeAspect="1" noChangeArrowheads="1"/>
+          </p:cNvPicPr>
+          <p:nvPr/>
+        </p:nvPicPr>
+        <p:blipFill>
+          <a:blip r:embed="rId2" cstate="print">
+            <a:extLst>
+              <a:ext uri="{28A0092B-C50C-407E-A947-70E740481C1C}">
+                <a14:useLocalDpi xmlns:a14="http://schemas.microsoft.com/office/drawing/2010/main" val="0"/>
+              </a:ext>
+            </a:extLst>
+          </a:blip>
+          <a:srcRect/>
+          <a:stretch>
+            <a:fillRect/>
+          </a:stretch>
+        </p:blipFill>
+        <p:spPr bwMode="auto">
+          <a:xfrm>
+            <a:off x="179512" y="5229200"/>
+            <a:ext cx="1254667" cy="1254668"/>
+          </a:xfrm>
+          <a:prstGeom prst="rect">
+            <a:avLst/>
+          </a:prstGeom>
+          <a:noFill/>
+          <a:ln>
+            <a:noFill/>
+          </a:ln>
+          <a:extLst>
+            <a:ext uri="{909E8E84-426E-40DD-AFC4-6F175D3DCCD1}">
+              <a14:hiddenFill xmlns:a14="http://schemas.microsoft.com/office/drawing/2010/main">
+                <a:solidFill>
+                  <a:srgbClr val="FFFFFF"/>
+                </a:solidFill>
+              </a14:hiddenFill>
+            </a:ext>
+            <a:ext uri="{91240B29-F687-4F45-9708-019B960494DF}">
+              <a14:hiddenLine xmlns:a14="http://schemas.microsoft.com/office/drawing/2010/main" w="9525">
+                <a:solidFill>
+                  <a:srgbClr val="000000"/>
+                </a:solidFill>
+                <a:miter lim="800000"/>
+                <a:headEnd/>
+                <a:tailEnd/>
+              </a14:hiddenLine>
+            </a:ext>
+          </a:extLst>
+        </p:spPr>
+      </p:pic>
+      <p:sp>
+        <p:nvSpPr>
+          <p:cNvPr id="13" name="Suorakulmio 12"/>
+          <p:cNvSpPr/>
+          <p:nvPr/>
+        </p:nvSpPr>
+        <p:spPr bwMode="auto">
+          <a:xfrm>
+            <a:off x="5311958" y="240174"/>
+            <a:ext cx="3570371" cy="531170"/>
+          </a:xfrm>
+          <a:prstGeom prst="rect">
+            <a:avLst/>
+          </a:prstGeom>
+          <a:ln>
+            <a:headEnd type="none" w="med" len="med"/>
+            <a:tailEnd type="none" w="med" len="med"/>
+          </a:ln>
+          <a:scene3d>
+            <a:camera prst="orthographicFront"/>
+            <a:lightRig rig="threePt" dir="t"/>
+          </a:scene3d>
+          <a:sp3d>
+            <a:bevelT w="114300" prst="artDeco"/>
+          </a:sp3d>
+        </p:spPr>
+        <p:style>
+          <a:lnRef idx="2">
+            <a:schemeClr val="accent4"/>
+          </a:lnRef>
+          <a:fillRef idx="1">
+            <a:schemeClr val="lt1"/>
+          </a:fillRef>
+          <a:effectRef idx="0">
+            <a:schemeClr val="accent4"/>
+          </a:effectRef>
+          <a:fontRef idx="minor">
+            <a:schemeClr val="dk1"/>
+          </a:fontRef>
+        </p:style>
+        <p:txBody>
+          <a:bodyPr vert="horz" wrap="square" lIns="91440" tIns="45720" rIns="91440" bIns="45720" numCol="1" rtlCol="0" anchor="t" anchorCtr="0" compatLnSpc="1">
+            <a:prstTxWarp prst="textNoShape">
+              <a:avLst/>
+            </a:prstTxWarp>
+          </a:bodyPr>
+          <a:lstStyle/>
+          <a:p>
+            <a:pPr marL="0" marR="0" indent="0" algn="ctr" defTabSz="449263" rtl="0" eaLnBrk="1" fontAlgn="base" latinLnBrk="0" hangingPunct="1">
+              <a:lnSpc>
+                <a:spcPct val="100000"/>
+              </a:lnSpc>
+              <a:spcBef>
+                <a:spcPct val="0"/>
+              </a:spcBef>
+              <a:spcAft>
+                <a:spcPct val="0"/>
+              </a:spcAft>
+              <a:buClr>
+                <a:srgbClr val="000000"/>
+              </a:buClr>
+              <a:buSzPct val="100000"/>
+              <a:buFont typeface="Times New Roman" pitchFamily="16" charset="0"/>
+              <a:buNone/>
+              <a:tabLst/>
+            </a:pPr>
+            <a:r>
+              <a:rPr kumimoji="0" lang="fi-FI" sz="2400" b="0" i="0" u="none" strike="noStrike" cap="none" normalizeH="0" dirty="0">
+                <a:ln>
+                  <a:noFill/>
+                </a:ln>
+                <a:solidFill>
+                  <a:schemeClr val="tx2">
+                    <a:lumMod val="75000"/>
+                    <a:lumOff val="25000"/>
+                  </a:schemeClr>
+                </a:solidFill>
+                <a:effectLst/>
+                <a:latin typeface="Arial" charset="0"/>
+              </a:rPr>
+              <a:t>MÄÄRITTELYIKKUNA</a:t>
+            </a:r>
+            <a:endParaRPr kumimoji="0" lang="fi-FI" sz="1800" b="0" i="0" u="none" strike="noStrike" cap="none" normalizeH="0" dirty="0">
+              <a:ln>
+                <a:noFill/>
+              </a:ln>
+              <a:solidFill>
+                <a:schemeClr val="tx2">
+                  <a:lumMod val="75000"/>
+                  <a:lumOff val="25000"/>
+                </a:schemeClr>
+              </a:solidFill>
+              <a:effectLst/>
+              <a:latin typeface="Arial" charset="0"/>
+            </a:endParaRPr>
+          </a:p>
+          <a:p>
+            <a:pPr marL="0" marR="0" indent="0" algn="l" defTabSz="449263" rtl="0" eaLnBrk="1" fontAlgn="base" latinLnBrk="0" hangingPunct="1">
+              <a:lnSpc>
+                <a:spcPct val="100000"/>
+              </a:lnSpc>
+              <a:spcBef>
+                <a:spcPct val="0"/>
+              </a:spcBef>
+              <a:spcAft>
+                <a:spcPct val="0"/>
+              </a:spcAft>
+              <a:buClr>
+                <a:srgbClr val="000000"/>
+              </a:buClr>
+              <a:buSzPct val="100000"/>
+              <a:buFont typeface="Times New Roman" pitchFamily="16" charset="0"/>
+              <a:buNone/>
+              <a:tabLst/>
+            </a:pPr>
+            <a:endParaRPr kumimoji="0" lang="fi-FI" sz="1800" b="0" i="0" u="none" strike="noStrike" cap="none" normalizeH="0" dirty="0">
+              <a:ln>
+                <a:noFill/>
+              </a:ln>
+              <a:solidFill>
+                <a:schemeClr val="tx2">
+                  <a:lumMod val="75000"/>
+                  <a:lumOff val="25000"/>
+                </a:schemeClr>
+              </a:solidFill>
+              <a:effectLst/>
+              <a:latin typeface="Arial" charset="0"/>
+            </a:endParaRPr>
+          </a:p>
+        </p:txBody>
+      </p:sp>
+      <p:sp>
+        <p:nvSpPr>
+          <p:cNvPr id="43" name="Suorakulmio 42"/>
+          <p:cNvSpPr/>
+          <p:nvPr/>
+        </p:nvSpPr>
+        <p:spPr>
+          <a:xfrm>
+            <a:off x="2736" y="1530389"/>
+            <a:ext cx="1074012" cy="338554"/>
+          </a:xfrm>
+          <a:prstGeom prst="rect">
+            <a:avLst/>
+          </a:prstGeom>
+          <a:solidFill>
+            <a:schemeClr val="accent2">
+              <a:lumMod val="75000"/>
+            </a:schemeClr>
+          </a:solidFill>
+        </p:spPr>
+        <p:txBody>
+          <a:bodyPr wrap="none">
+            <a:spAutoFit/>
+          </a:bodyPr>
+          <a:lstStyle/>
+          <a:p>
+            <a:r>
+              <a:rPr kumimoji="0" lang="fi-FI" sz="1600" b="0" i="0" u="none" strike="noStrike" cap="none" normalizeH="0" dirty="0">
+                <a:ln>
+                  <a:noFill/>
+                </a:ln>
+                <a:effectLst/>
+                <a:latin typeface="Arial" charset="0"/>
+              </a:rPr>
+              <a:t>Tehtävä </a:t>
+            </a:r>
+            <a:r>
+              <a:rPr lang="fi-FI" sz="1600" dirty="0">
+                <a:latin typeface="Arial" charset="0"/>
+              </a:rPr>
+              <a:t>6</a:t>
+            </a:r>
+            <a:endParaRPr lang="fi-FI" sz="1600" dirty="0"/>
+          </a:p>
+        </p:txBody>
+      </p:sp>
+      <p:sp>
+        <p:nvSpPr>
+          <p:cNvPr id="3" name="Alatunnisteen paikkamerkki 2"/>
+          <p:cNvSpPr>
+            <a:spLocks noGrp="1"/>
+          </p:cNvSpPr>
+          <p:nvPr>
+            <p:ph type="ftr" sz="quarter" idx="11"/>
+          </p:nvPr>
+        </p:nvSpPr>
+        <p:spPr/>
+        <p:txBody>
+          <a:bodyPr/>
+          <a:lstStyle/>
+          <a:p>
+            <a:pPr algn="r">
+              <a:defRPr/>
+            </a:pPr>
+            <a:r>
+              <a:rPr lang="fi-FI" dirty="0"/>
+              <a:t>MAOL Ohjelmointia matematiikkaan</a:t>
+            </a:r>
+            <a:endParaRPr lang="ru-RU" dirty="0"/>
+          </a:p>
+        </p:txBody>
+      </p:sp>
+      <p:sp>
+        <p:nvSpPr>
+          <p:cNvPr id="60" name="Suorakulmio 34"/>
+          <p:cNvSpPr/>
+          <p:nvPr/>
+        </p:nvSpPr>
+        <p:spPr>
+          <a:xfrm>
+            <a:off x="1234659" y="1477847"/>
+            <a:ext cx="3265333" cy="2123658"/>
+          </a:xfrm>
+          <a:prstGeom prst="rect">
+            <a:avLst/>
+          </a:prstGeom>
+        </p:spPr>
+        <p:txBody>
+          <a:bodyPr wrap="square">
+            <a:spAutoFit/>
+          </a:bodyPr>
+          <a:lstStyle/>
+          <a:p>
+            <a:r>
+              <a:rPr lang="fi-FI" sz="2200" dirty="0">
+                <a:solidFill>
+                  <a:schemeClr val="tx1"/>
+                </a:solidFill>
+                <a:latin typeface="Arial" charset="0"/>
+              </a:rPr>
+              <a:t>Hassut otukset 2</a:t>
+            </a:r>
+          </a:p>
+          <a:p>
+            <a:endParaRPr lang="fi-FI" sz="2200" dirty="0">
+              <a:solidFill>
+                <a:schemeClr val="tx1"/>
+              </a:solidFill>
+              <a:latin typeface="Arial" charset="0"/>
+            </a:endParaRPr>
+          </a:p>
+          <a:p>
+            <a:r>
+              <a:rPr lang="fi-FI" sz="2200" dirty="0">
+                <a:solidFill>
+                  <a:schemeClr val="tx1"/>
+                </a:solidFill>
+                <a:latin typeface="Arial" charset="0"/>
+              </a:rPr>
+              <a:t>Mitä jos eläimet voisivat vaihtaa osia keskenään?</a:t>
+            </a:r>
+          </a:p>
+          <a:p>
+            <a:endParaRPr lang="fi-FI" sz="2200" dirty="0">
+              <a:solidFill>
+                <a:schemeClr val="tx1"/>
+              </a:solidFill>
+              <a:latin typeface="Arial" charset="0"/>
+            </a:endParaRPr>
+          </a:p>
+          <a:p>
+            <a:endParaRPr lang="fi-FI" sz="2200" dirty="0">
+              <a:solidFill>
+                <a:schemeClr val="tx1"/>
+              </a:solidFill>
+              <a:latin typeface="Arial" charset="0"/>
+            </a:endParaRPr>
+          </a:p>
+        </p:txBody>
+      </p:sp>
+      <p:pic>
+        <p:nvPicPr>
+          <p:cNvPr id="61" name="Picture 2" descr="WeScheme Logo"/>
+          <p:cNvPicPr>
+            <a:picLocks noChangeAspect="1" noChangeArrowheads="1"/>
+          </p:cNvPicPr>
+          <p:nvPr/>
+        </p:nvPicPr>
+        <p:blipFill>
+          <a:blip r:embed="rId3" cstate="print">
+            <a:extLst>
+              <a:ext uri="{28A0092B-C50C-407E-A947-70E740481C1C}">
+                <a14:useLocalDpi xmlns:a14="http://schemas.microsoft.com/office/drawing/2010/main" val="0"/>
+              </a:ext>
+            </a:extLst>
+          </a:blip>
+          <a:srcRect/>
+          <a:stretch>
+            <a:fillRect/>
+          </a:stretch>
+        </p:blipFill>
+        <p:spPr bwMode="auto">
+          <a:xfrm>
+            <a:off x="7163754" y="5133041"/>
+            <a:ext cx="1495802" cy="1383832"/>
+          </a:xfrm>
+          <a:prstGeom prst="rect">
+            <a:avLst/>
+          </a:prstGeom>
+          <a:noFill/>
+          <a:ln>
+            <a:noFill/>
+          </a:ln>
+          <a:effectLst>
+            <a:outerShdw blurRad="50800" dist="38100" dir="5400000" algn="t" rotWithShape="0">
+              <a:prstClr val="black">
+                <a:alpha val="40000"/>
+              </a:prstClr>
+            </a:outerShdw>
+          </a:effectLst>
+          <a:extLst>
+            <a:ext uri="{909E8E84-426E-40DD-AFC4-6F175D3DCCD1}">
+              <a14:hiddenFill xmlns:a14="http://schemas.microsoft.com/office/drawing/2010/main">
+                <a:solidFill>
+                  <a:srgbClr val="FFFFFF"/>
+                </a:solidFill>
+              </a14:hiddenFill>
+            </a:ext>
+            <a:ext uri="{91240B29-F687-4F45-9708-019B960494DF}">
+              <a14:hiddenLine xmlns:a14="http://schemas.microsoft.com/office/drawing/2010/main" w="9525">
+                <a:solidFill>
+                  <a:srgbClr val="000000"/>
+                </a:solidFill>
+                <a:miter lim="800000"/>
+                <a:headEnd/>
+                <a:tailEnd/>
+              </a14:hiddenLine>
+            </a:ext>
+          </a:extLst>
+        </p:spPr>
+      </p:pic>
+      <p:sp>
+        <p:nvSpPr>
+          <p:cNvPr id="15" name="Suorakulmio 34">
+            <a:extLst>
+              <a:ext uri="{FF2B5EF4-FFF2-40B4-BE49-F238E27FC236}">
+                <a16:creationId xmlns:a16="http://schemas.microsoft.com/office/drawing/2014/main" id="{79661CD8-9325-4442-ACF5-6FE1670B73B8}"/>
+              </a:ext>
+            </a:extLst>
+          </p:cNvPr>
+          <p:cNvSpPr/>
+          <p:nvPr/>
+        </p:nvSpPr>
+        <p:spPr>
+          <a:xfrm>
+            <a:off x="1185153" y="3175506"/>
+            <a:ext cx="7019599" cy="2462213"/>
+          </a:xfrm>
+          <a:prstGeom prst="rect">
+            <a:avLst/>
+          </a:prstGeom>
+        </p:spPr>
+        <p:txBody>
+          <a:bodyPr wrap="square">
+            <a:spAutoFit/>
+          </a:bodyPr>
+          <a:lstStyle/>
+          <a:p>
+            <a:endParaRPr lang="fi-FI" sz="2200" dirty="0">
+              <a:solidFill>
+                <a:schemeClr val="tx1"/>
+              </a:solidFill>
+              <a:latin typeface="Arial" charset="0"/>
+            </a:endParaRPr>
+          </a:p>
+          <a:p>
+            <a:r>
+              <a:rPr lang="fi-FI" sz="2200" dirty="0">
+                <a:solidFill>
+                  <a:schemeClr val="tx1"/>
+                </a:solidFill>
+                <a:latin typeface="Arial" charset="0"/>
+              </a:rPr>
+              <a:t>Montako erilaista eläintä voit koota, kun sinulla on neljään osaan jaetut valas, kameli ja </a:t>
+            </a:r>
+            <a:r>
+              <a:rPr lang="fi-FI" sz="2200" dirty="0" err="1">
+                <a:solidFill>
+                  <a:schemeClr val="tx1"/>
+                </a:solidFill>
+                <a:latin typeface="Arial" charset="0"/>
+              </a:rPr>
+              <a:t>dino</a:t>
+            </a:r>
+            <a:r>
+              <a:rPr lang="fi-FI" sz="2200" dirty="0">
+                <a:solidFill>
+                  <a:schemeClr val="tx1"/>
+                </a:solidFill>
+                <a:latin typeface="Arial" charset="0"/>
+              </a:rPr>
+              <a:t>? </a:t>
+            </a:r>
+          </a:p>
+          <a:p>
+            <a:r>
+              <a:rPr lang="fi-FI" sz="2200" dirty="0">
+                <a:solidFill>
+                  <a:schemeClr val="tx1"/>
+                </a:solidFill>
+                <a:latin typeface="Arial" charset="0"/>
+              </a:rPr>
+              <a:t>Tiedostosta löytyvät valmiit eläinpalat (kameli: K1, K2a, K2b, K3, </a:t>
+            </a:r>
+            <a:r>
+              <a:rPr lang="fi-FI" sz="2200" dirty="0" err="1">
+                <a:solidFill>
+                  <a:schemeClr val="tx1"/>
+                </a:solidFill>
+                <a:latin typeface="Arial" charset="0"/>
+              </a:rPr>
+              <a:t>dino</a:t>
+            </a:r>
+            <a:r>
+              <a:rPr lang="fi-FI" sz="2200" dirty="0">
+                <a:solidFill>
+                  <a:schemeClr val="tx1"/>
+                </a:solidFill>
+                <a:latin typeface="Arial" charset="0"/>
+              </a:rPr>
+              <a:t>: D1, D2a, D2b, D3 ja valas: V1, V2a, V2b, V3). Kokoa mielestäsi hassuin mahdollinen eläin.</a:t>
+            </a:r>
+          </a:p>
+          <a:p>
+            <a:endParaRPr lang="fi-FI" sz="2200" dirty="0">
+              <a:solidFill>
+                <a:schemeClr val="tx1"/>
+              </a:solidFill>
+              <a:latin typeface="Arial" charset="0"/>
+            </a:endParaRPr>
+          </a:p>
+        </p:txBody>
+      </p:sp>
+      <p:sp>
+        <p:nvSpPr>
+          <p:cNvPr id="5" name="Suorakulmio 4">
+            <a:extLst>
+              <a:ext uri="{FF2B5EF4-FFF2-40B4-BE49-F238E27FC236}">
+                <a16:creationId xmlns:a16="http://schemas.microsoft.com/office/drawing/2014/main" id="{FA4BF98C-6F83-4649-80E4-CB8E3DCDF4F9}"/>
+              </a:ext>
+            </a:extLst>
+          </p:cNvPr>
+          <p:cNvSpPr/>
+          <p:nvPr/>
+        </p:nvSpPr>
+        <p:spPr>
+          <a:xfrm>
+            <a:off x="2051720" y="715247"/>
+            <a:ext cx="7321299" cy="800219"/>
+          </a:xfrm>
+          <a:prstGeom prst="rect">
+            <a:avLst/>
+          </a:prstGeom>
+        </p:spPr>
+        <p:txBody>
+          <a:bodyPr wrap="square">
+            <a:spAutoFit/>
+          </a:bodyPr>
+          <a:lstStyle/>
+          <a:p>
+            <a:r>
+              <a:rPr lang="fi-FI" sz="2800" dirty="0">
+                <a:solidFill>
+                  <a:schemeClr val="tx1"/>
+                </a:solidFill>
+                <a:latin typeface="Arial" charset="0"/>
+              </a:rPr>
+              <a:t>               </a:t>
+            </a:r>
+            <a:r>
+              <a:rPr lang="fi-FI" i="1" dirty="0">
+                <a:solidFill>
+                  <a:schemeClr val="tx1"/>
+                </a:solidFill>
+                <a:latin typeface="Arial" charset="0"/>
+              </a:rPr>
+              <a:t>(vinkki: </a:t>
+            </a:r>
+            <a:r>
+              <a:rPr lang="fi-FI" i="1" dirty="0" err="1">
+                <a:solidFill>
+                  <a:schemeClr val="tx1"/>
+                </a:solidFill>
+                <a:latin typeface="Arial" charset="0"/>
+              </a:rPr>
+              <a:t>beside</a:t>
+            </a:r>
+            <a:r>
+              <a:rPr lang="fi-FI" i="1" dirty="0">
+                <a:solidFill>
+                  <a:schemeClr val="tx1"/>
+                </a:solidFill>
+                <a:latin typeface="Arial" charset="0"/>
+              </a:rPr>
+              <a:t>, K1, K2a, K2b, K3, D1, D2a, D2b D3,       					V1, V2a, V2b, V3)</a:t>
+            </a:r>
+            <a:endParaRPr lang="fi-FI" dirty="0"/>
+          </a:p>
+        </p:txBody>
+      </p:sp>
+      <p:pic>
+        <p:nvPicPr>
+          <p:cNvPr id="6" name="Kuva 5">
+            <a:extLst>
+              <a:ext uri="{FF2B5EF4-FFF2-40B4-BE49-F238E27FC236}">
+                <a16:creationId xmlns:a16="http://schemas.microsoft.com/office/drawing/2014/main" id="{CBE6BEC8-6D5E-4015-8EC8-245A053CBBF8}"/>
+              </a:ext>
+            </a:extLst>
+          </p:cNvPr>
+          <p:cNvPicPr>
+            <a:picLocks noChangeAspect="1"/>
+          </p:cNvPicPr>
+          <p:nvPr/>
+        </p:nvPicPr>
+        <p:blipFill rotWithShape="1">
+          <a:blip r:embed="rId4">
+            <a:extLst>
+              <a:ext uri="{28A0092B-C50C-407E-A947-70E740481C1C}">
+                <a14:useLocalDpi xmlns:a14="http://schemas.microsoft.com/office/drawing/2010/main" val="0"/>
+              </a:ext>
+            </a:extLst>
+          </a:blip>
+          <a:srcRect l="1679" t="2944" r="8413" b="1758"/>
+          <a:stretch/>
+        </p:blipFill>
+        <p:spPr>
+          <a:xfrm>
+            <a:off x="4694953" y="1177119"/>
+            <a:ext cx="3596683" cy="2367466"/>
+          </a:xfrm>
+          <a:prstGeom prst="rect">
+            <a:avLst/>
+          </a:prstGeom>
+        </p:spPr>
+      </p:pic>
+      <p:pic>
+        <p:nvPicPr>
+          <p:cNvPr id="42" name="Kuva 41"/>
+          <p:cNvPicPr>
+            <a:picLocks noChangeAspect="1"/>
+          </p:cNvPicPr>
+          <p:nvPr/>
+        </p:nvPicPr>
+        <p:blipFill>
+          <a:blip r:embed="rId5">
+            <a:extLst>
+              <a:ext uri="{28A0092B-C50C-407E-A947-70E740481C1C}">
+                <a14:useLocalDpi xmlns:a14="http://schemas.microsoft.com/office/drawing/2010/main" val="0"/>
+              </a:ext>
+            </a:extLst>
+          </a:blip>
+          <a:stretch>
+            <a:fillRect/>
+          </a:stretch>
+        </p:blipFill>
+        <p:spPr>
+          <a:xfrm>
+            <a:off x="8068724" y="1211985"/>
+            <a:ext cx="1075276" cy="516133"/>
+          </a:xfrm>
+          <a:prstGeom prst="rect">
+            <a:avLst/>
+          </a:prstGeom>
+        </p:spPr>
+      </p:pic>
+    </p:spTree>
+    <p:extLst>
+      <p:ext uri="{BB962C8B-B14F-4D97-AF65-F5344CB8AC3E}">
+        <p14:creationId xmlns:p14="http://schemas.microsoft.com/office/powerpoint/2010/main" val="2989684938"/>
       </p:ext>
     </p:extLst>
   </p:cSld>
